--- a/images/theory_analysis/Linux_Log/Linux_Log.pptx
+++ b/images/theory_analysis/Linux_Log/Linux_Log.pptx
@@ -109,7 +109,7 @@
   </p:defaultTextStyle>
   <p:extLst>
     <p:ext uri="{EFAFB233-063F-42B5-8137-9DF3F51BA10A}">
-      <p15:sldGuideLst xmlns:p15="http://schemas.microsoft.com/office/powerpoint/2012/main" xmlns="">
+      <p15:sldGuideLst xmlns:p15="http://schemas.microsoft.com/office/powerpoint/2012/main">
         <p15:guide id="1" orient="horz" pos="2160">
           <p15:clr>
             <a:srgbClr val="A4A3A4"/>
@@ -213,7 +213,7 @@
           <a:p>
             <a:fld id="{6CD5550B-26C4-49A9-A5BA-636EF7BE6CE9}" type="datetimeFigureOut">
               <a:rPr lang="ko-KR" altLang="en-US" smtClean="0"/>
-              <a:t>2017-08-21</a:t>
+              <a:t>2018-10-09</a:t>
             </a:fld>
             <a:endParaRPr lang="ko-KR" altLang="en-US"/>
           </a:p>
@@ -277,38 +277,37 @@
           <a:p>
             <a:pPr lvl="0"/>
             <a:r>
-              <a:rPr lang="ko-KR" altLang="en-US" smtClean="0"/>
+              <a:rPr lang="ko-KR" altLang="en-US"/>
               <a:t>마스터 텍스트 스타일을 편집합니다</a:t>
             </a:r>
           </a:p>
           <a:p>
             <a:pPr lvl="1"/>
             <a:r>
-              <a:rPr lang="ko-KR" altLang="en-US" smtClean="0"/>
+              <a:rPr lang="ko-KR" altLang="en-US"/>
               <a:t>둘째 수준</a:t>
             </a:r>
           </a:p>
           <a:p>
             <a:pPr lvl="2"/>
             <a:r>
-              <a:rPr lang="ko-KR" altLang="en-US" smtClean="0"/>
+              <a:rPr lang="ko-KR" altLang="en-US"/>
               <a:t>셋째 수준</a:t>
             </a:r>
           </a:p>
           <a:p>
             <a:pPr lvl="3"/>
             <a:r>
-              <a:rPr lang="ko-KR" altLang="en-US" smtClean="0"/>
+              <a:rPr lang="ko-KR" altLang="en-US"/>
               <a:t>넷째 수준</a:t>
             </a:r>
           </a:p>
           <a:p>
             <a:pPr lvl="4"/>
             <a:r>
-              <a:rPr lang="ko-KR" altLang="en-US" smtClean="0"/>
+              <a:rPr lang="ko-KR" altLang="en-US"/>
               <a:t>다섯째 수준</a:t>
             </a:r>
-            <a:endParaRPr lang="ko-KR" altLang="en-US"/>
           </a:p>
         </p:txBody>
       </p:sp>
@@ -603,10 +602,9 @@
           <a:lstStyle/>
           <a:p>
             <a:r>
-              <a:rPr lang="ko-KR" altLang="en-US" smtClean="0"/>
+              <a:rPr lang="ko-KR" altLang="en-US"/>
               <a:t>마스터 제목 스타일 편집</a:t>
             </a:r>
-            <a:endParaRPr lang="ko-KR" altLang="en-US"/>
           </a:p>
         </p:txBody>
       </p:sp>
@@ -722,10 +720,9 @@
           </a:lstStyle>
           <a:p>
             <a:r>
-              <a:rPr lang="ko-KR" altLang="en-US" smtClean="0"/>
+              <a:rPr lang="ko-KR" altLang="en-US"/>
               <a:t>마스터 부제목 스타일 편집</a:t>
             </a:r>
-            <a:endParaRPr lang="ko-KR" altLang="en-US"/>
           </a:p>
         </p:txBody>
       </p:sp>
@@ -746,7 +743,7 @@
           <a:p>
             <a:fld id="{FB30EDBD-1C2D-4C1E-B459-B60219FAB484}" type="datetimeFigureOut">
               <a:rPr lang="ko-KR" altLang="en-US" smtClean="0"/>
-              <a:t>2017-08-21</a:t>
+              <a:t>2018-10-09</a:t>
             </a:fld>
             <a:endParaRPr lang="ko-KR" altLang="en-US"/>
           </a:p>
@@ -835,10 +832,9 @@
           <a:lstStyle/>
           <a:p>
             <a:r>
-              <a:rPr lang="ko-KR" altLang="en-US" smtClean="0"/>
+              <a:rPr lang="ko-KR" altLang="en-US"/>
               <a:t>마스터 제목 스타일 편집</a:t>
             </a:r>
-            <a:endParaRPr lang="ko-KR" altLang="en-US"/>
           </a:p>
         </p:txBody>
       </p:sp>
@@ -859,38 +855,37 @@
           <a:p>
             <a:pPr lvl="0"/>
             <a:r>
-              <a:rPr lang="ko-KR" altLang="en-US" smtClean="0"/>
+              <a:rPr lang="ko-KR" altLang="en-US"/>
               <a:t>마스터 텍스트 스타일을 편집합니다</a:t>
             </a:r>
           </a:p>
           <a:p>
             <a:pPr lvl="1"/>
             <a:r>
-              <a:rPr lang="ko-KR" altLang="en-US" smtClean="0"/>
+              <a:rPr lang="ko-KR" altLang="en-US"/>
               <a:t>둘째 수준</a:t>
             </a:r>
           </a:p>
           <a:p>
             <a:pPr lvl="2"/>
             <a:r>
-              <a:rPr lang="ko-KR" altLang="en-US" smtClean="0"/>
+              <a:rPr lang="ko-KR" altLang="en-US"/>
               <a:t>셋째 수준</a:t>
             </a:r>
           </a:p>
           <a:p>
             <a:pPr lvl="3"/>
             <a:r>
-              <a:rPr lang="ko-KR" altLang="en-US" smtClean="0"/>
+              <a:rPr lang="ko-KR" altLang="en-US"/>
               <a:t>넷째 수준</a:t>
             </a:r>
           </a:p>
           <a:p>
             <a:pPr lvl="4"/>
             <a:r>
-              <a:rPr lang="ko-KR" altLang="en-US" smtClean="0"/>
+              <a:rPr lang="ko-KR" altLang="en-US"/>
               <a:t>다섯째 수준</a:t>
             </a:r>
-            <a:endParaRPr lang="ko-KR" altLang="en-US"/>
           </a:p>
         </p:txBody>
       </p:sp>
@@ -911,7 +906,7 @@
           <a:p>
             <a:fld id="{FB30EDBD-1C2D-4C1E-B459-B60219FAB484}" type="datetimeFigureOut">
               <a:rPr lang="ko-KR" altLang="en-US" smtClean="0"/>
-              <a:t>2017-08-21</a:t>
+              <a:t>2018-10-09</a:t>
             </a:fld>
             <a:endParaRPr lang="ko-KR" altLang="en-US"/>
           </a:p>
@@ -1005,10 +1000,9 @@
           <a:lstStyle/>
           <a:p>
             <a:r>
-              <a:rPr lang="ko-KR" altLang="en-US" smtClean="0"/>
+              <a:rPr lang="ko-KR" altLang="en-US"/>
               <a:t>마스터 제목 스타일 편집</a:t>
             </a:r>
-            <a:endParaRPr lang="ko-KR" altLang="en-US"/>
           </a:p>
         </p:txBody>
       </p:sp>
@@ -1034,38 +1028,37 @@
           <a:p>
             <a:pPr lvl="0"/>
             <a:r>
-              <a:rPr lang="ko-KR" altLang="en-US" smtClean="0"/>
+              <a:rPr lang="ko-KR" altLang="en-US"/>
               <a:t>마스터 텍스트 스타일을 편집합니다</a:t>
             </a:r>
           </a:p>
           <a:p>
             <a:pPr lvl="1"/>
             <a:r>
-              <a:rPr lang="ko-KR" altLang="en-US" smtClean="0"/>
+              <a:rPr lang="ko-KR" altLang="en-US"/>
               <a:t>둘째 수준</a:t>
             </a:r>
           </a:p>
           <a:p>
             <a:pPr lvl="2"/>
             <a:r>
-              <a:rPr lang="ko-KR" altLang="en-US" smtClean="0"/>
+              <a:rPr lang="ko-KR" altLang="en-US"/>
               <a:t>셋째 수준</a:t>
             </a:r>
           </a:p>
           <a:p>
             <a:pPr lvl="3"/>
             <a:r>
-              <a:rPr lang="ko-KR" altLang="en-US" smtClean="0"/>
+              <a:rPr lang="ko-KR" altLang="en-US"/>
               <a:t>넷째 수준</a:t>
             </a:r>
           </a:p>
           <a:p>
             <a:pPr lvl="4"/>
             <a:r>
-              <a:rPr lang="ko-KR" altLang="en-US" smtClean="0"/>
+              <a:rPr lang="ko-KR" altLang="en-US"/>
               <a:t>다섯째 수준</a:t>
             </a:r>
-            <a:endParaRPr lang="ko-KR" altLang="en-US"/>
           </a:p>
         </p:txBody>
       </p:sp>
@@ -1086,7 +1079,7 @@
           <a:p>
             <a:fld id="{FB30EDBD-1C2D-4C1E-B459-B60219FAB484}" type="datetimeFigureOut">
               <a:rPr lang="ko-KR" altLang="en-US" smtClean="0"/>
-              <a:t>2017-08-21</a:t>
+              <a:t>2018-10-09</a:t>
             </a:fld>
             <a:endParaRPr lang="ko-KR" altLang="en-US"/>
           </a:p>
@@ -1175,10 +1168,9 @@
           <a:lstStyle/>
           <a:p>
             <a:r>
-              <a:rPr lang="ko-KR" altLang="en-US" smtClean="0"/>
+              <a:rPr lang="ko-KR" altLang="en-US"/>
               <a:t>마스터 제목 스타일 편집</a:t>
             </a:r>
-            <a:endParaRPr lang="ko-KR" altLang="en-US"/>
           </a:p>
         </p:txBody>
       </p:sp>
@@ -1199,38 +1191,37 @@
           <a:p>
             <a:pPr lvl="0"/>
             <a:r>
-              <a:rPr lang="ko-KR" altLang="en-US" smtClean="0"/>
+              <a:rPr lang="ko-KR" altLang="en-US"/>
               <a:t>마스터 텍스트 스타일을 편집합니다</a:t>
             </a:r>
           </a:p>
           <a:p>
             <a:pPr lvl="1"/>
             <a:r>
-              <a:rPr lang="ko-KR" altLang="en-US" smtClean="0"/>
+              <a:rPr lang="ko-KR" altLang="en-US"/>
               <a:t>둘째 수준</a:t>
             </a:r>
           </a:p>
           <a:p>
             <a:pPr lvl="2"/>
             <a:r>
-              <a:rPr lang="ko-KR" altLang="en-US" smtClean="0"/>
+              <a:rPr lang="ko-KR" altLang="en-US"/>
               <a:t>셋째 수준</a:t>
             </a:r>
           </a:p>
           <a:p>
             <a:pPr lvl="3"/>
             <a:r>
-              <a:rPr lang="ko-KR" altLang="en-US" smtClean="0"/>
+              <a:rPr lang="ko-KR" altLang="en-US"/>
               <a:t>넷째 수준</a:t>
             </a:r>
           </a:p>
           <a:p>
             <a:pPr lvl="4"/>
             <a:r>
-              <a:rPr lang="ko-KR" altLang="en-US" smtClean="0"/>
+              <a:rPr lang="ko-KR" altLang="en-US"/>
               <a:t>다섯째 수준</a:t>
             </a:r>
-            <a:endParaRPr lang="ko-KR" altLang="en-US"/>
           </a:p>
         </p:txBody>
       </p:sp>
@@ -1251,7 +1242,7 @@
           <a:p>
             <a:fld id="{FB30EDBD-1C2D-4C1E-B459-B60219FAB484}" type="datetimeFigureOut">
               <a:rPr lang="ko-KR" altLang="en-US" smtClean="0"/>
-              <a:t>2017-08-21</a:t>
+              <a:t>2018-10-09</a:t>
             </a:fld>
             <a:endParaRPr lang="ko-KR" altLang="en-US"/>
           </a:p>
@@ -1304,13 +1295,6 @@
   <p:clrMapOvr>
     <a:masterClrMapping/>
   </p:clrMapOvr>
-  <p:timing>
-    <p:tnLst>
-      <p:par>
-        <p:cTn id="1" dur="indefinite" restart="never" nodeType="tmRoot"/>
-      </p:par>
-    </p:tnLst>
-  </p:timing>
 </p:sldLayout>
 </file>
 
@@ -1356,10 +1340,9 @@
           </a:lstStyle>
           <a:p>
             <a:r>
-              <a:rPr lang="ko-KR" altLang="en-US" smtClean="0"/>
+              <a:rPr lang="ko-KR" altLang="en-US"/>
               <a:t>마스터 제목 스타일 편집</a:t>
             </a:r>
-            <a:endParaRPr lang="ko-KR" altLang="en-US"/>
           </a:p>
         </p:txBody>
       </p:sp>
@@ -1476,7 +1459,7 @@
           <a:p>
             <a:pPr lvl="0"/>
             <a:r>
-              <a:rPr lang="ko-KR" altLang="en-US" smtClean="0"/>
+              <a:rPr lang="ko-KR" altLang="en-US"/>
               <a:t>마스터 텍스트 스타일을 편집합니다</a:t>
             </a:r>
           </a:p>
@@ -1499,7 +1482,7 @@
           <a:p>
             <a:fld id="{FB30EDBD-1C2D-4C1E-B459-B60219FAB484}" type="datetimeFigureOut">
               <a:rPr lang="ko-KR" altLang="en-US" smtClean="0"/>
-              <a:t>2017-08-21</a:t>
+              <a:t>2018-10-09</a:t>
             </a:fld>
             <a:endParaRPr lang="ko-KR" altLang="en-US"/>
           </a:p>
@@ -1588,10 +1571,9 @@
           <a:lstStyle/>
           <a:p>
             <a:r>
-              <a:rPr lang="ko-KR" altLang="en-US" smtClean="0"/>
+              <a:rPr lang="ko-KR" altLang="en-US"/>
               <a:t>마스터 제목 스타일 편집</a:t>
             </a:r>
-            <a:endParaRPr lang="ko-KR" altLang="en-US"/>
           </a:p>
         </p:txBody>
       </p:sp>
@@ -1645,38 +1627,37 @@
           <a:p>
             <a:pPr lvl="0"/>
             <a:r>
-              <a:rPr lang="ko-KR" altLang="en-US" smtClean="0"/>
+              <a:rPr lang="ko-KR" altLang="en-US"/>
               <a:t>마스터 텍스트 스타일을 편집합니다</a:t>
             </a:r>
           </a:p>
           <a:p>
             <a:pPr lvl="1"/>
             <a:r>
-              <a:rPr lang="ko-KR" altLang="en-US" smtClean="0"/>
+              <a:rPr lang="ko-KR" altLang="en-US"/>
               <a:t>둘째 수준</a:t>
             </a:r>
           </a:p>
           <a:p>
             <a:pPr lvl="2"/>
             <a:r>
-              <a:rPr lang="ko-KR" altLang="en-US" smtClean="0"/>
+              <a:rPr lang="ko-KR" altLang="en-US"/>
               <a:t>셋째 수준</a:t>
             </a:r>
           </a:p>
           <a:p>
             <a:pPr lvl="3"/>
             <a:r>
-              <a:rPr lang="ko-KR" altLang="en-US" smtClean="0"/>
+              <a:rPr lang="ko-KR" altLang="en-US"/>
               <a:t>넷째 수준</a:t>
             </a:r>
           </a:p>
           <a:p>
             <a:pPr lvl="4"/>
             <a:r>
-              <a:rPr lang="ko-KR" altLang="en-US" smtClean="0"/>
+              <a:rPr lang="ko-KR" altLang="en-US"/>
               <a:t>다섯째 수준</a:t>
             </a:r>
-            <a:endParaRPr lang="ko-KR" altLang="en-US"/>
           </a:p>
         </p:txBody>
       </p:sp>
@@ -1730,38 +1711,37 @@
           <a:p>
             <a:pPr lvl="0"/>
             <a:r>
-              <a:rPr lang="ko-KR" altLang="en-US" smtClean="0"/>
+              <a:rPr lang="ko-KR" altLang="en-US"/>
               <a:t>마스터 텍스트 스타일을 편집합니다</a:t>
             </a:r>
           </a:p>
           <a:p>
             <a:pPr lvl="1"/>
             <a:r>
-              <a:rPr lang="ko-KR" altLang="en-US" smtClean="0"/>
+              <a:rPr lang="ko-KR" altLang="en-US"/>
               <a:t>둘째 수준</a:t>
             </a:r>
           </a:p>
           <a:p>
             <a:pPr lvl="2"/>
             <a:r>
-              <a:rPr lang="ko-KR" altLang="en-US" smtClean="0"/>
+              <a:rPr lang="ko-KR" altLang="en-US"/>
               <a:t>셋째 수준</a:t>
             </a:r>
           </a:p>
           <a:p>
             <a:pPr lvl="3"/>
             <a:r>
-              <a:rPr lang="ko-KR" altLang="en-US" smtClean="0"/>
+              <a:rPr lang="ko-KR" altLang="en-US"/>
               <a:t>넷째 수준</a:t>
             </a:r>
           </a:p>
           <a:p>
             <a:pPr lvl="4"/>
             <a:r>
-              <a:rPr lang="ko-KR" altLang="en-US" smtClean="0"/>
+              <a:rPr lang="ko-KR" altLang="en-US"/>
               <a:t>다섯째 수준</a:t>
             </a:r>
-            <a:endParaRPr lang="ko-KR" altLang="en-US"/>
           </a:p>
         </p:txBody>
       </p:sp>
@@ -1782,7 +1762,7 @@
           <a:p>
             <a:fld id="{FB30EDBD-1C2D-4C1E-B459-B60219FAB484}" type="datetimeFigureOut">
               <a:rPr lang="ko-KR" altLang="en-US" smtClean="0"/>
-              <a:t>2017-08-21</a:t>
+              <a:t>2018-10-09</a:t>
             </a:fld>
             <a:endParaRPr lang="ko-KR" altLang="en-US"/>
           </a:p>
@@ -1875,10 +1855,9 @@
           </a:lstStyle>
           <a:p>
             <a:r>
-              <a:rPr lang="ko-KR" altLang="en-US" smtClean="0"/>
+              <a:rPr lang="ko-KR" altLang="en-US"/>
               <a:t>마스터 제목 스타일 편집</a:t>
             </a:r>
-            <a:endParaRPr lang="ko-KR" altLang="en-US"/>
           </a:p>
         </p:txBody>
       </p:sp>
@@ -1941,7 +1920,7 @@
           <a:p>
             <a:pPr lvl="0"/>
             <a:r>
-              <a:rPr lang="ko-KR" altLang="en-US" smtClean="0"/>
+              <a:rPr lang="ko-KR" altLang="en-US"/>
               <a:t>마스터 텍스트 스타일을 편집합니다</a:t>
             </a:r>
           </a:p>
@@ -1997,38 +1976,37 @@
           <a:p>
             <a:pPr lvl="0"/>
             <a:r>
-              <a:rPr lang="ko-KR" altLang="en-US" smtClean="0"/>
+              <a:rPr lang="ko-KR" altLang="en-US"/>
               <a:t>마스터 텍스트 스타일을 편집합니다</a:t>
             </a:r>
           </a:p>
           <a:p>
             <a:pPr lvl="1"/>
             <a:r>
-              <a:rPr lang="ko-KR" altLang="en-US" smtClean="0"/>
+              <a:rPr lang="ko-KR" altLang="en-US"/>
               <a:t>둘째 수준</a:t>
             </a:r>
           </a:p>
           <a:p>
             <a:pPr lvl="2"/>
             <a:r>
-              <a:rPr lang="ko-KR" altLang="en-US" smtClean="0"/>
+              <a:rPr lang="ko-KR" altLang="en-US"/>
               <a:t>셋째 수준</a:t>
             </a:r>
           </a:p>
           <a:p>
             <a:pPr lvl="3"/>
             <a:r>
-              <a:rPr lang="ko-KR" altLang="en-US" smtClean="0"/>
+              <a:rPr lang="ko-KR" altLang="en-US"/>
               <a:t>넷째 수준</a:t>
             </a:r>
           </a:p>
           <a:p>
             <a:pPr lvl="4"/>
             <a:r>
-              <a:rPr lang="ko-KR" altLang="en-US" smtClean="0"/>
+              <a:rPr lang="ko-KR" altLang="en-US"/>
               <a:t>다섯째 수준</a:t>
             </a:r>
-            <a:endParaRPr lang="ko-KR" altLang="en-US"/>
           </a:p>
         </p:txBody>
       </p:sp>
@@ -2091,7 +2069,7 @@
           <a:p>
             <a:pPr lvl="0"/>
             <a:r>
-              <a:rPr lang="ko-KR" altLang="en-US" smtClean="0"/>
+              <a:rPr lang="ko-KR" altLang="en-US"/>
               <a:t>마스터 텍스트 스타일을 편집합니다</a:t>
             </a:r>
           </a:p>
@@ -2147,38 +2125,37 @@
           <a:p>
             <a:pPr lvl="0"/>
             <a:r>
-              <a:rPr lang="ko-KR" altLang="en-US" smtClean="0"/>
+              <a:rPr lang="ko-KR" altLang="en-US"/>
               <a:t>마스터 텍스트 스타일을 편집합니다</a:t>
             </a:r>
           </a:p>
           <a:p>
             <a:pPr lvl="1"/>
             <a:r>
-              <a:rPr lang="ko-KR" altLang="en-US" smtClean="0"/>
+              <a:rPr lang="ko-KR" altLang="en-US"/>
               <a:t>둘째 수준</a:t>
             </a:r>
           </a:p>
           <a:p>
             <a:pPr lvl="2"/>
             <a:r>
-              <a:rPr lang="ko-KR" altLang="en-US" smtClean="0"/>
+              <a:rPr lang="ko-KR" altLang="en-US"/>
               <a:t>셋째 수준</a:t>
             </a:r>
           </a:p>
           <a:p>
             <a:pPr lvl="3"/>
             <a:r>
-              <a:rPr lang="ko-KR" altLang="en-US" smtClean="0"/>
+              <a:rPr lang="ko-KR" altLang="en-US"/>
               <a:t>넷째 수준</a:t>
             </a:r>
           </a:p>
           <a:p>
             <a:pPr lvl="4"/>
             <a:r>
-              <a:rPr lang="ko-KR" altLang="en-US" smtClean="0"/>
+              <a:rPr lang="ko-KR" altLang="en-US"/>
               <a:t>다섯째 수준</a:t>
             </a:r>
-            <a:endParaRPr lang="ko-KR" altLang="en-US"/>
           </a:p>
         </p:txBody>
       </p:sp>
@@ -2199,7 +2176,7 @@
           <a:p>
             <a:fld id="{FB30EDBD-1C2D-4C1E-B459-B60219FAB484}" type="datetimeFigureOut">
               <a:rPr lang="ko-KR" altLang="en-US" smtClean="0"/>
-              <a:t>2017-08-21</a:t>
+              <a:t>2018-10-09</a:t>
             </a:fld>
             <a:endParaRPr lang="ko-KR" altLang="en-US"/>
           </a:p>
@@ -2288,10 +2265,9 @@
           <a:lstStyle/>
           <a:p>
             <a:r>
-              <a:rPr lang="ko-KR" altLang="en-US" smtClean="0"/>
+              <a:rPr lang="ko-KR" altLang="en-US"/>
               <a:t>마스터 제목 스타일 편집</a:t>
             </a:r>
-            <a:endParaRPr lang="ko-KR" altLang="en-US"/>
           </a:p>
         </p:txBody>
       </p:sp>
@@ -2312,7 +2288,7 @@
           <a:p>
             <a:fld id="{FB30EDBD-1C2D-4C1E-B459-B60219FAB484}" type="datetimeFigureOut">
               <a:rPr lang="ko-KR" altLang="en-US" smtClean="0"/>
-              <a:t>2017-08-21</a:t>
+              <a:t>2018-10-09</a:t>
             </a:fld>
             <a:endParaRPr lang="ko-KR" altLang="en-US"/>
           </a:p>
@@ -2402,7 +2378,7 @@
           <a:p>
             <a:fld id="{FB30EDBD-1C2D-4C1E-B459-B60219FAB484}" type="datetimeFigureOut">
               <a:rPr lang="ko-KR" altLang="en-US" smtClean="0"/>
-              <a:t>2017-08-21</a:t>
+              <a:t>2018-10-09</a:t>
             </a:fld>
             <a:endParaRPr lang="ko-KR" altLang="en-US"/>
           </a:p>
@@ -2500,10 +2476,9 @@
           </a:lstStyle>
           <a:p>
             <a:r>
-              <a:rPr lang="ko-KR" altLang="en-US" smtClean="0"/>
+              <a:rPr lang="ko-KR" altLang="en-US"/>
               <a:t>마스터 제목 스타일 편집</a:t>
             </a:r>
-            <a:endParaRPr lang="ko-KR" altLang="en-US"/>
           </a:p>
         </p:txBody>
       </p:sp>
@@ -2557,38 +2532,37 @@
           <a:p>
             <a:pPr lvl="0"/>
             <a:r>
-              <a:rPr lang="ko-KR" altLang="en-US" smtClean="0"/>
+              <a:rPr lang="ko-KR" altLang="en-US"/>
               <a:t>마스터 텍스트 스타일을 편집합니다</a:t>
             </a:r>
           </a:p>
           <a:p>
             <a:pPr lvl="1"/>
             <a:r>
-              <a:rPr lang="ko-KR" altLang="en-US" smtClean="0"/>
+              <a:rPr lang="ko-KR" altLang="en-US"/>
               <a:t>둘째 수준</a:t>
             </a:r>
           </a:p>
           <a:p>
             <a:pPr lvl="2"/>
             <a:r>
-              <a:rPr lang="ko-KR" altLang="en-US" smtClean="0"/>
+              <a:rPr lang="ko-KR" altLang="en-US"/>
               <a:t>셋째 수준</a:t>
             </a:r>
           </a:p>
           <a:p>
             <a:pPr lvl="3"/>
             <a:r>
-              <a:rPr lang="ko-KR" altLang="en-US" smtClean="0"/>
+              <a:rPr lang="ko-KR" altLang="en-US"/>
               <a:t>넷째 수준</a:t>
             </a:r>
           </a:p>
           <a:p>
             <a:pPr lvl="4"/>
             <a:r>
-              <a:rPr lang="ko-KR" altLang="en-US" smtClean="0"/>
+              <a:rPr lang="ko-KR" altLang="en-US"/>
               <a:t>다섯째 수준</a:t>
             </a:r>
-            <a:endParaRPr lang="ko-KR" altLang="en-US"/>
           </a:p>
         </p:txBody>
       </p:sp>
@@ -2651,7 +2625,7 @@
           <a:p>
             <a:pPr lvl="0"/>
             <a:r>
-              <a:rPr lang="ko-KR" altLang="en-US" smtClean="0"/>
+              <a:rPr lang="ko-KR" altLang="en-US"/>
               <a:t>마스터 텍스트 스타일을 편집합니다</a:t>
             </a:r>
           </a:p>
@@ -2674,7 +2648,7 @@
           <a:p>
             <a:fld id="{FB30EDBD-1C2D-4C1E-B459-B60219FAB484}" type="datetimeFigureOut">
               <a:rPr lang="ko-KR" altLang="en-US" smtClean="0"/>
-              <a:t>2017-08-21</a:t>
+              <a:t>2018-10-09</a:t>
             </a:fld>
             <a:endParaRPr lang="ko-KR" altLang="en-US"/>
           </a:p>
@@ -2772,10 +2746,9 @@
           </a:lstStyle>
           <a:p>
             <a:r>
-              <a:rPr lang="ko-KR" altLang="en-US" smtClean="0"/>
+              <a:rPr lang="ko-KR" altLang="en-US"/>
               <a:t>마스터 제목 스타일 편집</a:t>
             </a:r>
-            <a:endParaRPr lang="ko-KR" altLang="en-US"/>
           </a:p>
         </p:txBody>
       </p:sp>
@@ -2899,7 +2872,7 @@
           <a:p>
             <a:pPr lvl="0"/>
             <a:r>
-              <a:rPr lang="ko-KR" altLang="en-US" smtClean="0"/>
+              <a:rPr lang="ko-KR" altLang="en-US"/>
               <a:t>마스터 텍스트 스타일을 편집합니다</a:t>
             </a:r>
           </a:p>
@@ -2922,7 +2895,7 @@
           <a:p>
             <a:fld id="{FB30EDBD-1C2D-4C1E-B459-B60219FAB484}" type="datetimeFigureOut">
               <a:rPr lang="ko-KR" altLang="en-US" smtClean="0"/>
-              <a:t>2017-08-21</a:t>
+              <a:t>2018-10-09</a:t>
             </a:fld>
             <a:endParaRPr lang="ko-KR" altLang="en-US"/>
           </a:p>
@@ -3026,10 +2999,9 @@
           <a:lstStyle/>
           <a:p>
             <a:r>
-              <a:rPr lang="ko-KR" altLang="en-US" smtClean="0"/>
+              <a:rPr lang="ko-KR" altLang="en-US"/>
               <a:t>마스터 제목 스타일 편집</a:t>
             </a:r>
-            <a:endParaRPr lang="ko-KR" altLang="en-US"/>
           </a:p>
         </p:txBody>
       </p:sp>
@@ -3060,38 +3032,37 @@
           <a:p>
             <a:pPr lvl="0"/>
             <a:r>
-              <a:rPr lang="ko-KR" altLang="en-US" smtClean="0"/>
+              <a:rPr lang="ko-KR" altLang="en-US"/>
               <a:t>마스터 텍스트 스타일을 편집합니다</a:t>
             </a:r>
           </a:p>
           <a:p>
             <a:pPr lvl="1"/>
             <a:r>
-              <a:rPr lang="ko-KR" altLang="en-US" smtClean="0"/>
+              <a:rPr lang="ko-KR" altLang="en-US"/>
               <a:t>둘째 수준</a:t>
             </a:r>
           </a:p>
           <a:p>
             <a:pPr lvl="2"/>
             <a:r>
-              <a:rPr lang="ko-KR" altLang="en-US" smtClean="0"/>
+              <a:rPr lang="ko-KR" altLang="en-US"/>
               <a:t>셋째 수준</a:t>
             </a:r>
           </a:p>
           <a:p>
             <a:pPr lvl="3"/>
             <a:r>
-              <a:rPr lang="ko-KR" altLang="en-US" smtClean="0"/>
+              <a:rPr lang="ko-KR" altLang="en-US"/>
               <a:t>넷째 수준</a:t>
             </a:r>
           </a:p>
           <a:p>
             <a:pPr lvl="4"/>
             <a:r>
-              <a:rPr lang="ko-KR" altLang="en-US" smtClean="0"/>
+              <a:rPr lang="ko-KR" altLang="en-US"/>
               <a:t>다섯째 수준</a:t>
             </a:r>
-            <a:endParaRPr lang="ko-KR" altLang="en-US"/>
           </a:p>
         </p:txBody>
       </p:sp>
@@ -3130,7 +3101,7 @@
           <a:p>
             <a:fld id="{FB30EDBD-1C2D-4C1E-B459-B60219FAB484}" type="datetimeFigureOut">
               <a:rPr lang="ko-KR" altLang="en-US" smtClean="0"/>
-              <a:t>2017-08-21</a:t>
+              <a:t>2018-10-09</a:t>
             </a:fld>
             <a:endParaRPr lang="ko-KR" altLang="en-US"/>
           </a:p>
@@ -3523,7 +3494,7 @@
           <a:lstStyle/>
           <a:p>
             <a:r>
-              <a:rPr lang="en-US" altLang="ko-KR" dirty="0" smtClean="0"/>
+              <a:rPr lang="en-US" altLang="ko-KR" dirty="0"/>
               <a:t>Linux Log Component</a:t>
             </a:r>
             <a:endParaRPr lang="ko-KR" altLang="en-US" dirty="0"/>
@@ -3538,8 +3509,8 @@
         </p:nvSpPr>
         <p:spPr>
           <a:xfrm>
-            <a:off x="2627784" y="3815020"/>
-            <a:ext cx="4861109" cy="452952"/>
+            <a:off x="971600" y="4535100"/>
+            <a:ext cx="4824536" cy="452952"/>
           </a:xfrm>
           <a:prstGeom prst="roundRect">
             <a:avLst>
@@ -3568,10 +3539,14 @@
           <a:p>
             <a:pPr algn="ctr"/>
             <a:r>
-              <a:rPr lang="en-US" altLang="ko-KR" dirty="0" smtClean="0"/>
-              <a:t>Log Ring Buffer</a:t>
-            </a:r>
-            <a:endParaRPr lang="ko-KR" altLang="en-US" dirty="0"/>
+              <a:rPr lang="en-US" altLang="ko-KR" sz="1600"/>
+              <a:t>Kernel Ring </a:t>
+            </a:r>
+            <a:r>
+              <a:rPr lang="en-US" altLang="ko-KR" sz="1600" dirty="0"/>
+              <a:t>Buffer</a:t>
+            </a:r>
+            <a:endParaRPr lang="ko-KR" altLang="en-US" sz="1600" dirty="0"/>
           </a:p>
         </p:txBody>
       </p:sp>
@@ -3583,8 +3558,8 @@
         </p:nvSpPr>
         <p:spPr>
           <a:xfrm>
-            <a:off x="2627784" y="3218052"/>
-            <a:ext cx="3222642" cy="452952"/>
+            <a:off x="971599" y="3938132"/>
+            <a:ext cx="4824538" cy="452952"/>
           </a:xfrm>
           <a:prstGeom prst="roundRect">
             <a:avLst>
@@ -3613,38 +3588,39 @@
           <a:p>
             <a:pPr algn="ctr"/>
             <a:r>
-              <a:rPr lang="en-US" altLang="ko-KR" dirty="0" err="1"/>
-              <a:t>d</a:t>
-            </a:r>
-            <a:r>
-              <a:rPr lang="en-US" altLang="ko-KR" dirty="0" err="1" smtClean="0"/>
-              <a:t>o_syslog</a:t>
-            </a:r>
-            <a:r>
-              <a:rPr lang="en-US" altLang="ko-KR" dirty="0" smtClean="0"/>
+              <a:rPr lang="en-US" altLang="ko-KR" sz="1600" dirty="0" err="1"/>
+              <a:t>do_syslog</a:t>
+            </a:r>
+            <a:r>
+              <a:rPr lang="en-US" altLang="ko-KR" sz="1600" dirty="0"/>
               <a:t>()</a:t>
             </a:r>
-            <a:endParaRPr lang="ko-KR" altLang="en-US" dirty="0"/>
+            <a:endParaRPr lang="ko-KR" altLang="en-US" sz="1600" dirty="0"/>
           </a:p>
         </p:txBody>
       </p:sp>
       <p:cxnSp>
         <p:nvCxnSpPr>
           <p:cNvPr id="5" name="직선 연결선 4"/>
-          <p:cNvCxnSpPr/>
+          <p:cNvCxnSpPr>
+            <a:cxnSpLocks/>
+          </p:cNvCxnSpPr>
           <p:nvPr/>
         </p:nvCxnSpPr>
         <p:spPr>
           <a:xfrm>
-            <a:off x="1691680" y="2448638"/>
-            <a:ext cx="6048672" cy="0"/>
+            <a:off x="66426" y="3188826"/>
+            <a:ext cx="9042078" cy="0"/>
           </a:xfrm>
           <a:prstGeom prst="line">
             <a:avLst/>
           </a:prstGeom>
           <a:ln w="38100">
             <a:solidFill>
-              <a:schemeClr val="tx1"/>
+              <a:schemeClr val="tx1">
+                <a:lumMod val="95000"/>
+                <a:lumOff val="5000"/>
+              </a:schemeClr>
             </a:solidFill>
             <a:prstDash val="dash"/>
           </a:ln>
@@ -3672,7 +3648,7 @@
         </p:nvSpPr>
         <p:spPr>
           <a:xfrm>
-            <a:off x="1403648" y="3218052"/>
+            <a:off x="-252536" y="3938132"/>
             <a:ext cx="1399082" cy="452952"/>
           </a:xfrm>
           <a:prstGeom prst="roundRect">
@@ -3705,10 +3681,17 @@
           <a:p>
             <a:pPr algn="ctr"/>
             <a:r>
-              <a:rPr lang="en-US" altLang="ko-KR" dirty="0" smtClean="0"/>
+              <a:rPr lang="en-US" altLang="ko-KR" sz="1600" b="1"/>
               <a:t>Kernel</a:t>
             </a:r>
-            <a:endParaRPr lang="ko-KR" altLang="en-US" dirty="0"/>
+            <a:br>
+              <a:rPr lang="en-US" altLang="ko-KR" sz="1600" b="1"/>
+            </a:br>
+            <a:r>
+              <a:rPr lang="en-US" altLang="ko-KR" sz="1600" b="1"/>
+              <a:t>Level</a:t>
+            </a:r>
+            <a:endParaRPr lang="ko-KR" altLang="en-US" sz="1600" b="1" dirty="0"/>
           </a:p>
         </p:txBody>
       </p:sp>
@@ -3720,7 +3703,7 @@
         </p:nvSpPr>
         <p:spPr>
           <a:xfrm>
-            <a:off x="1722610" y="1569613"/>
+            <a:off x="66426" y="2289693"/>
             <a:ext cx="761158" cy="452952"/>
           </a:xfrm>
           <a:prstGeom prst="roundRect">
@@ -3753,10 +3736,17 @@
           <a:p>
             <a:pPr algn="ctr"/>
             <a:r>
-              <a:rPr lang="en-US" altLang="ko-KR" dirty="0" smtClean="0"/>
+              <a:rPr lang="en-US" altLang="ko-KR" sz="1600" b="1"/>
               <a:t>User</a:t>
             </a:r>
-            <a:endParaRPr lang="ko-KR" altLang="en-US" dirty="0"/>
+            <a:br>
+              <a:rPr lang="en-US" altLang="ko-KR" sz="1600" b="1"/>
+            </a:br>
+            <a:r>
+              <a:rPr lang="en-US" altLang="ko-KR" sz="1600" b="1"/>
+              <a:t>Level</a:t>
+            </a:r>
+            <a:endParaRPr lang="ko-KR" altLang="en-US" sz="1600" b="1" dirty="0"/>
           </a:p>
         </p:txBody>
       </p:sp>
@@ -3768,8 +3758,53 @@
         </p:nvSpPr>
         <p:spPr>
           <a:xfrm>
-            <a:off x="2628347" y="1275606"/>
-            <a:ext cx="4860546" cy="452952"/>
+            <a:off x="2484154" y="2004566"/>
+            <a:ext cx="1007726" cy="454505"/>
+          </a:xfrm>
+          <a:prstGeom prst="roundRect">
+            <a:avLst>
+              <a:gd name="adj" fmla="val 14335"/>
+            </a:avLst>
+          </a:prstGeom>
+          <a:noFill/>
+        </p:spPr>
+        <p:style>
+          <a:lnRef idx="2">
+            <a:schemeClr val="dk1"/>
+          </a:lnRef>
+          <a:fillRef idx="1">
+            <a:schemeClr val="lt1"/>
+          </a:fillRef>
+          <a:effectRef idx="0">
+            <a:schemeClr val="dk1"/>
+          </a:effectRef>
+          <a:fontRef idx="minor">
+            <a:schemeClr val="dk1"/>
+          </a:fontRef>
+        </p:style>
+        <p:txBody>
+          <a:bodyPr rtlCol="0" anchor="ctr"/>
+          <a:lstStyle/>
+          <a:p>
+            <a:pPr algn="ctr"/>
+            <a:r>
+              <a:rPr lang="en-US" altLang="ko-KR" sz="1600"/>
+              <a:t>dmesg </a:t>
+            </a:r>
+            <a:endParaRPr lang="ko-KR" altLang="en-US" sz="1600" dirty="0"/>
+          </a:p>
+        </p:txBody>
+      </p:sp>
+      <p:sp>
+        <p:nvSpPr>
+          <p:cNvPr id="26" name="모서리가 둥근 직사각형 25"/>
+          <p:cNvSpPr/>
+          <p:nvPr/>
+        </p:nvSpPr>
+        <p:spPr>
+          <a:xfrm>
+            <a:off x="2479383" y="2602746"/>
+            <a:ext cx="1901825" cy="452952"/>
           </a:xfrm>
           <a:prstGeom prst="roundRect">
             <a:avLst>
@@ -3798,39 +3833,68 @@
           <a:p>
             <a:pPr algn="ctr"/>
             <a:r>
-              <a:rPr lang="en-US" altLang="ko-KR" dirty="0" smtClean="0"/>
-              <a:t>Application (</a:t>
-            </a:r>
-            <a:r>
-              <a:rPr lang="en-US" altLang="ko-KR" dirty="0" err="1" smtClean="0"/>
-              <a:t>dmesg</a:t>
-            </a:r>
-            <a:r>
-              <a:rPr lang="en-US" altLang="ko-KR" dirty="0" smtClean="0"/>
-              <a:t>, </a:t>
-            </a:r>
-            <a:r>
-              <a:rPr lang="en-US" altLang="ko-KR" dirty="0" err="1" smtClean="0"/>
-              <a:t>rsyslog</a:t>
-            </a:r>
-            <a:r>
-              <a:rPr lang="en-US" altLang="ko-KR" dirty="0" smtClean="0"/>
-              <a:t>)</a:t>
-            </a:r>
-            <a:endParaRPr lang="ko-KR" altLang="en-US" dirty="0"/>
-          </a:p>
-        </p:txBody>
-      </p:sp>
-      <p:sp>
-        <p:nvSpPr>
-          <p:cNvPr id="26" name="모서리가 둥근 직사각형 25"/>
+              <a:rPr lang="en-US" altLang="ko-KR" sz="1600"/>
+              <a:t>glibc - syslog(2)</a:t>
+            </a:r>
+            <a:endParaRPr lang="ko-KR" altLang="en-US" sz="1600" dirty="0"/>
+          </a:p>
+        </p:txBody>
+      </p:sp>
+      <p:sp>
+        <p:nvSpPr>
+          <p:cNvPr id="27" name="모서리가 둥근 직사각형 26"/>
           <p:cNvSpPr/>
           <p:nvPr/>
         </p:nvSpPr>
         <p:spPr>
           <a:xfrm>
-            <a:off x="2628347" y="1851670"/>
-            <a:ext cx="2231685" cy="452952"/>
+            <a:off x="3604262" y="1415037"/>
+            <a:ext cx="3271994" cy="452952"/>
+          </a:xfrm>
+          <a:prstGeom prst="roundRect">
+            <a:avLst>
+              <a:gd name="adj" fmla="val 12105"/>
+            </a:avLst>
+          </a:prstGeom>
+          <a:noFill/>
+        </p:spPr>
+        <p:style>
+          <a:lnRef idx="2">
+            <a:schemeClr val="dk1"/>
+          </a:lnRef>
+          <a:fillRef idx="1">
+            <a:schemeClr val="lt1"/>
+          </a:fillRef>
+          <a:effectRef idx="0">
+            <a:schemeClr val="dk1"/>
+          </a:effectRef>
+          <a:fontRef idx="minor">
+            <a:schemeClr val="dk1"/>
+          </a:fontRef>
+        </p:style>
+        <p:txBody>
+          <a:bodyPr rtlCol="0" anchor="ctr"/>
+          <a:lstStyle/>
+          <a:p>
+            <a:pPr algn="ctr"/>
+            <a:r>
+              <a:rPr lang="en-US" altLang="ko-KR" sz="1600"/>
+              <a:t>Log Files (/var/log)</a:t>
+            </a:r>
+            <a:endParaRPr lang="ko-KR" altLang="en-US" sz="1600" dirty="0"/>
+          </a:p>
+        </p:txBody>
+      </p:sp>
+      <p:sp>
+        <p:nvSpPr>
+          <p:cNvPr id="34" name="모서리가 둥근 직사각형 33"/>
+          <p:cNvSpPr/>
+          <p:nvPr/>
+        </p:nvSpPr>
+        <p:spPr>
+          <a:xfrm>
+            <a:off x="971599" y="3341161"/>
+            <a:ext cx="1398540" cy="452952"/>
           </a:xfrm>
           <a:prstGeom prst="roundRect">
             <a:avLst>
@@ -3859,27 +3923,131 @@
           <a:p>
             <a:pPr algn="ctr"/>
             <a:r>
-              <a:rPr lang="en-US" altLang="ko-KR" dirty="0" err="1" smtClean="0"/>
-              <a:t>glibc</a:t>
-            </a:r>
-            <a:r>
-              <a:rPr lang="en-US" altLang="ko-KR" dirty="0" smtClean="0"/>
-              <a:t> - syslog(3)</a:t>
-            </a:r>
-            <a:endParaRPr lang="ko-KR" altLang="en-US" dirty="0"/>
-          </a:p>
-        </p:txBody>
-      </p:sp>
-      <p:sp>
-        <p:nvSpPr>
-          <p:cNvPr id="27" name="모서리가 둥근 직사각형 26"/>
+              <a:rPr lang="en-US" altLang="ko-KR" sz="1600" dirty="0" err="1"/>
+              <a:t>printk</a:t>
+            </a:r>
+            <a:r>
+              <a:rPr lang="en-US" altLang="ko-KR" sz="1600" dirty="0"/>
+              <a:t>()</a:t>
+            </a:r>
+            <a:endParaRPr lang="ko-KR" altLang="en-US" sz="1600" dirty="0"/>
+          </a:p>
+        </p:txBody>
+      </p:sp>
+      <p:cxnSp>
+        <p:nvCxnSpPr>
+          <p:cNvPr id="18" name="직선 연결선 17">
+            <a:extLst>
+              <a:ext uri="{FF2B5EF4-FFF2-40B4-BE49-F238E27FC236}">
+                <a16:creationId xmlns:a16="http://schemas.microsoft.com/office/drawing/2014/main" id="{7BAE7DD2-ACA4-460D-984F-6495277737F8}"/>
+              </a:ext>
+            </a:extLst>
+          </p:cNvPr>
+          <p:cNvCxnSpPr>
+            <a:cxnSpLocks/>
+          </p:cNvCxnSpPr>
+          <p:nvPr/>
+        </p:nvCxnSpPr>
+        <p:spPr>
+          <a:xfrm>
+            <a:off x="5940152" y="914542"/>
+            <a:ext cx="0" cy="4249496"/>
+          </a:xfrm>
+          <a:prstGeom prst="line">
+            <a:avLst/>
+          </a:prstGeom>
+          <a:ln w="38100">
+            <a:solidFill>
+              <a:schemeClr val="tx1">
+                <a:lumMod val="95000"/>
+                <a:lumOff val="5000"/>
+              </a:schemeClr>
+            </a:solidFill>
+            <a:prstDash val="dash"/>
+          </a:ln>
+        </p:spPr>
+        <p:style>
+          <a:lnRef idx="1">
+            <a:schemeClr val="accent1"/>
+          </a:lnRef>
+          <a:fillRef idx="0">
+            <a:schemeClr val="accent1"/>
+          </a:fillRef>
+          <a:effectRef idx="0">
+            <a:schemeClr val="accent1"/>
+          </a:effectRef>
+          <a:fontRef idx="minor">
+            <a:schemeClr val="tx1"/>
+          </a:fontRef>
+        </p:style>
+      </p:cxnSp>
+      <p:sp>
+        <p:nvSpPr>
+          <p:cNvPr id="20" name="모서리가 둥근 직사각형 33">
+            <a:extLst>
+              <a:ext uri="{FF2B5EF4-FFF2-40B4-BE49-F238E27FC236}">
+                <a16:creationId xmlns:a16="http://schemas.microsoft.com/office/drawing/2014/main" id="{006229EA-EFDA-4479-80B7-B9060E3F9A96}"/>
+              </a:ext>
+            </a:extLst>
+          </p:cNvPr>
           <p:cNvSpPr/>
           <p:nvPr/>
         </p:nvSpPr>
         <p:spPr>
           <a:xfrm>
-            <a:off x="5004048" y="1851670"/>
-            <a:ext cx="2484844" cy="452952"/>
+            <a:off x="4490453" y="2602746"/>
+            <a:ext cx="1296144" cy="1194694"/>
+          </a:xfrm>
+          <a:prstGeom prst="roundRect">
+            <a:avLst>
+              <a:gd name="adj" fmla="val 6722"/>
+            </a:avLst>
+          </a:prstGeom>
+          <a:noFill/>
+        </p:spPr>
+        <p:style>
+          <a:lnRef idx="2">
+            <a:schemeClr val="dk1"/>
+          </a:lnRef>
+          <a:fillRef idx="1">
+            <a:schemeClr val="lt1"/>
+          </a:fillRef>
+          <a:effectRef idx="0">
+            <a:schemeClr val="dk1"/>
+          </a:effectRef>
+          <a:fontRef idx="minor">
+            <a:schemeClr val="dk1"/>
+          </a:fontRef>
+        </p:style>
+        <p:txBody>
+          <a:bodyPr rtlCol="0" anchor="b"/>
+          <a:lstStyle/>
+          <a:p>
+            <a:pPr algn="ctr"/>
+            <a:r>
+              <a:rPr lang="en-US" altLang="ko-KR" sz="1600"/>
+              <a:t>/proc/kmsg</a:t>
+            </a:r>
+            <a:endParaRPr lang="ko-KR" altLang="en-US" sz="1600" dirty="0"/>
+          </a:p>
+        </p:txBody>
+      </p:sp>
+      <p:sp>
+        <p:nvSpPr>
+          <p:cNvPr id="21" name="모서리가 둥근 직사각형 25">
+            <a:extLst>
+              <a:ext uri="{FF2B5EF4-FFF2-40B4-BE49-F238E27FC236}">
+                <a16:creationId xmlns:a16="http://schemas.microsoft.com/office/drawing/2014/main" id="{E3F164CF-0078-405A-9F0D-5772F37677F2}"/>
+              </a:ext>
+            </a:extLst>
+          </p:cNvPr>
+          <p:cNvSpPr/>
+          <p:nvPr/>
+        </p:nvSpPr>
+        <p:spPr>
+          <a:xfrm>
+            <a:off x="2479383" y="3341164"/>
+            <a:ext cx="1901825" cy="452952"/>
           </a:xfrm>
           <a:prstGeom prst="roundRect">
             <a:avLst>
@@ -3908,35 +4076,33 @@
           <a:p>
             <a:pPr algn="ctr"/>
             <a:r>
-              <a:rPr lang="en-US" altLang="ko-KR" dirty="0" smtClean="0"/>
-              <a:t>Log Files (/</a:t>
-            </a:r>
-            <a:r>
-              <a:rPr lang="en-US" altLang="ko-KR" dirty="0" err="1" smtClean="0"/>
-              <a:t>var</a:t>
-            </a:r>
-            <a:r>
-              <a:rPr lang="en-US" altLang="ko-KR" dirty="0" smtClean="0"/>
-              <a:t>/log/*)</a:t>
-            </a:r>
-            <a:endParaRPr lang="ko-KR" altLang="en-US" dirty="0"/>
-          </a:p>
-        </p:txBody>
-      </p:sp>
-      <p:sp>
-        <p:nvSpPr>
-          <p:cNvPr id="33" name="모서리가 둥근 직사각형 32"/>
+              <a:rPr lang="en-US" altLang="ko-KR" sz="1600"/>
+              <a:t>syslog system call</a:t>
+            </a:r>
+            <a:endParaRPr lang="ko-KR" altLang="en-US" sz="1600" dirty="0"/>
+          </a:p>
+        </p:txBody>
+      </p:sp>
+      <p:sp>
+        <p:nvSpPr>
+          <p:cNvPr id="23" name="모서리가 둥근 직사각형 33">
+            <a:extLst>
+              <a:ext uri="{FF2B5EF4-FFF2-40B4-BE49-F238E27FC236}">
+                <a16:creationId xmlns:a16="http://schemas.microsoft.com/office/drawing/2014/main" id="{8C1B5490-E443-4B3A-BF21-C9DC6021824C}"/>
+              </a:ext>
+            </a:extLst>
+          </p:cNvPr>
           <p:cNvSpPr/>
           <p:nvPr/>
         </p:nvSpPr>
         <p:spPr>
           <a:xfrm>
-            <a:off x="4283968" y="2611788"/>
-            <a:ext cx="1566457" cy="452952"/>
+            <a:off x="6084167" y="2602746"/>
+            <a:ext cx="2806288" cy="452952"/>
           </a:xfrm>
           <a:prstGeom prst="roundRect">
             <a:avLst>
-              <a:gd name="adj" fmla="val 17318"/>
+              <a:gd name="adj" fmla="val 11797"/>
             </a:avLst>
           </a:prstGeom>
           <a:noFill/>
@@ -3961,39 +4127,141 @@
           <a:p>
             <a:pPr algn="ctr"/>
             <a:r>
-              <a:rPr lang="en-US" altLang="ko-KR" dirty="0" smtClean="0"/>
-              <a:t>/</a:t>
-            </a:r>
-            <a:r>
-              <a:rPr lang="en-US" altLang="ko-KR" dirty="0" err="1" smtClean="0"/>
-              <a:t>proc</a:t>
-            </a:r>
-            <a:r>
-              <a:rPr lang="en-US" altLang="ko-KR" dirty="0" smtClean="0"/>
-              <a:t>/</a:t>
-            </a:r>
-            <a:r>
-              <a:rPr lang="en-US" altLang="ko-KR" dirty="0" err="1" smtClean="0"/>
-              <a:t>kmsg</a:t>
-            </a:r>
-            <a:endParaRPr lang="ko-KR" altLang="en-US" dirty="0"/>
-          </a:p>
-        </p:txBody>
-      </p:sp>
-      <p:sp>
-        <p:nvSpPr>
-          <p:cNvPr id="34" name="모서리가 둥근 직사각형 33"/>
+              <a:rPr lang="en-US" altLang="ko-KR" sz="1600"/>
+              <a:t>Domain Socket (/dev/log)</a:t>
+            </a:r>
+            <a:endParaRPr lang="ko-KR" altLang="en-US" sz="1600" dirty="0"/>
+          </a:p>
+        </p:txBody>
+      </p:sp>
+      <p:sp>
+        <p:nvSpPr>
+          <p:cNvPr id="28" name="모서리가 둥근 직사각형 23">
+            <a:extLst>
+              <a:ext uri="{FF2B5EF4-FFF2-40B4-BE49-F238E27FC236}">
+                <a16:creationId xmlns:a16="http://schemas.microsoft.com/office/drawing/2014/main" id="{7C056491-4925-48E5-9136-001131DB773B}"/>
+              </a:ext>
+            </a:extLst>
+          </p:cNvPr>
           <p:cNvSpPr/>
           <p:nvPr/>
         </p:nvSpPr>
         <p:spPr>
           <a:xfrm>
-            <a:off x="5989433" y="3218052"/>
-            <a:ext cx="1494450" cy="452952"/>
+            <a:off x="2226177" y="915566"/>
+            <a:ext cx="1841767" cy="452952"/>
           </a:xfrm>
           <a:prstGeom prst="roundRect">
             <a:avLst>
               <a:gd name="adj" fmla="val 17318"/>
+            </a:avLst>
+          </a:prstGeom>
+          <a:noFill/>
+          <a:ln>
+            <a:noFill/>
+          </a:ln>
+        </p:spPr>
+        <p:style>
+          <a:lnRef idx="2">
+            <a:schemeClr val="dk1"/>
+          </a:lnRef>
+          <a:fillRef idx="1">
+            <a:schemeClr val="lt1"/>
+          </a:fillRef>
+          <a:effectRef idx="0">
+            <a:schemeClr val="dk1"/>
+          </a:effectRef>
+          <a:fontRef idx="minor">
+            <a:schemeClr val="dk1"/>
+          </a:fontRef>
+        </p:style>
+        <p:txBody>
+          <a:bodyPr rtlCol="0" anchor="ctr"/>
+          <a:lstStyle/>
+          <a:p>
+            <a:pPr algn="ctr"/>
+            <a:r>
+              <a:rPr lang="en-US" altLang="ko-KR" sz="1600" b="1"/>
+              <a:t>Kernel Log</a:t>
+            </a:r>
+            <a:endParaRPr lang="ko-KR" altLang="en-US" sz="1600" b="1" dirty="0"/>
+          </a:p>
+        </p:txBody>
+      </p:sp>
+      <p:sp>
+        <p:nvSpPr>
+          <p:cNvPr id="29" name="모서리가 둥근 직사각형 23">
+            <a:extLst>
+              <a:ext uri="{FF2B5EF4-FFF2-40B4-BE49-F238E27FC236}">
+                <a16:creationId xmlns:a16="http://schemas.microsoft.com/office/drawing/2014/main" id="{7ACAF493-35B8-4FC1-9508-F21B77F6EF34}"/>
+              </a:ext>
+            </a:extLst>
+          </p:cNvPr>
+          <p:cNvSpPr/>
+          <p:nvPr/>
+        </p:nvSpPr>
+        <p:spPr>
+          <a:xfrm>
+            <a:off x="6683053" y="914542"/>
+            <a:ext cx="1841767" cy="452952"/>
+          </a:xfrm>
+          <a:prstGeom prst="roundRect">
+            <a:avLst>
+              <a:gd name="adj" fmla="val 17318"/>
+            </a:avLst>
+          </a:prstGeom>
+          <a:noFill/>
+          <a:ln>
+            <a:noFill/>
+          </a:ln>
+        </p:spPr>
+        <p:style>
+          <a:lnRef idx="2">
+            <a:schemeClr val="dk1"/>
+          </a:lnRef>
+          <a:fillRef idx="1">
+            <a:schemeClr val="lt1"/>
+          </a:fillRef>
+          <a:effectRef idx="0">
+            <a:schemeClr val="dk1"/>
+          </a:effectRef>
+          <a:fontRef idx="minor">
+            <a:schemeClr val="dk1"/>
+          </a:fontRef>
+        </p:style>
+        <p:txBody>
+          <a:bodyPr rtlCol="0" anchor="ctr"/>
+          <a:lstStyle/>
+          <a:p>
+            <a:pPr algn="ctr"/>
+            <a:r>
+              <a:rPr lang="en-US" altLang="ko-KR" sz="1600" b="1"/>
+              <a:t>App Log</a:t>
+            </a:r>
+            <a:endParaRPr lang="ko-KR" altLang="en-US" sz="1600" b="1" dirty="0"/>
+          </a:p>
+        </p:txBody>
+      </p:sp>
+      <p:sp>
+        <p:nvSpPr>
+          <p:cNvPr id="30" name="모서리가 둥근 직사각형 24">
+            <a:extLst>
+              <a:ext uri="{FF2B5EF4-FFF2-40B4-BE49-F238E27FC236}">
+                <a16:creationId xmlns:a16="http://schemas.microsoft.com/office/drawing/2014/main" id="{6FCD264A-148B-4F1B-A0B3-714240EF7798}"/>
+              </a:ext>
+            </a:extLst>
+          </p:cNvPr>
+          <p:cNvSpPr/>
+          <p:nvPr/>
+        </p:nvSpPr>
+        <p:spPr>
+          <a:xfrm>
+            <a:off x="3604262" y="2004566"/>
+            <a:ext cx="3271994" cy="454505"/>
+          </a:xfrm>
+          <a:prstGeom prst="roundRect">
+            <a:avLst>
+              <a:gd name="adj" fmla="val 14335"/>
             </a:avLst>
           </a:prstGeom>
           <a:noFill/>
@@ -4018,35 +4286,33 @@
           <a:p>
             <a:pPr algn="ctr"/>
             <a:r>
-              <a:rPr lang="en-US" altLang="ko-KR" dirty="0" err="1"/>
-              <a:t>p</a:t>
-            </a:r>
-            <a:r>
-              <a:rPr lang="en-US" altLang="ko-KR" dirty="0" err="1" smtClean="0"/>
-              <a:t>rintk</a:t>
-            </a:r>
-            <a:r>
-              <a:rPr lang="en-US" altLang="ko-KR" dirty="0" smtClean="0"/>
-              <a:t>()</a:t>
-            </a:r>
-            <a:endParaRPr lang="ko-KR" altLang="en-US" dirty="0"/>
-          </a:p>
-        </p:txBody>
-      </p:sp>
-      <p:sp>
-        <p:nvSpPr>
-          <p:cNvPr id="35" name="모서리가 둥근 직사각형 34"/>
+              <a:rPr lang="en-US" altLang="ko-KR" sz="1600"/>
+              <a:t>rsyslogd, systemd-journald</a:t>
+            </a:r>
+            <a:endParaRPr lang="ko-KR" altLang="en-US" sz="1600" dirty="0"/>
+          </a:p>
+        </p:txBody>
+      </p:sp>
+      <p:sp>
+        <p:nvSpPr>
+          <p:cNvPr id="32" name="모서리가 둥근 직사각형 24">
+            <a:extLst>
+              <a:ext uri="{FF2B5EF4-FFF2-40B4-BE49-F238E27FC236}">
+                <a16:creationId xmlns:a16="http://schemas.microsoft.com/office/drawing/2014/main" id="{8C9677B3-2C5C-4F4F-B0D1-058ECECABE48}"/>
+              </a:ext>
+            </a:extLst>
+          </p:cNvPr>
           <p:cNvSpPr/>
           <p:nvPr/>
         </p:nvSpPr>
         <p:spPr>
           <a:xfrm>
-            <a:off x="2627784" y="2615124"/>
-            <a:ext cx="1512168" cy="452952"/>
+            <a:off x="6988638" y="1419263"/>
+            <a:ext cx="1901813" cy="454505"/>
           </a:xfrm>
           <a:prstGeom prst="roundRect">
             <a:avLst>
-              <a:gd name="adj" fmla="val 17318"/>
+              <a:gd name="adj" fmla="val 10982"/>
             </a:avLst>
           </a:prstGeom>
           <a:noFill/>
@@ -4071,10 +4337,61 @@
           <a:p>
             <a:pPr algn="ctr"/>
             <a:r>
-              <a:rPr lang="en-US" altLang="ko-KR" dirty="0" smtClean="0"/>
-              <a:t>syslog(2)</a:t>
-            </a:r>
-            <a:endParaRPr lang="ko-KR" altLang="en-US" dirty="0"/>
+              <a:rPr lang="en-US" altLang="ko-KR" sz="1600"/>
+              <a:t>App </a:t>
+            </a:r>
+            <a:endParaRPr lang="ko-KR" altLang="en-US" sz="1600" dirty="0"/>
+          </a:p>
+        </p:txBody>
+      </p:sp>
+      <p:sp>
+        <p:nvSpPr>
+          <p:cNvPr id="37" name="모서리가 둥근 직사각형 25">
+            <a:extLst>
+              <a:ext uri="{FF2B5EF4-FFF2-40B4-BE49-F238E27FC236}">
+                <a16:creationId xmlns:a16="http://schemas.microsoft.com/office/drawing/2014/main" id="{0E2B0454-E7C9-4D14-B4A0-AD5FA9E06085}"/>
+              </a:ext>
+            </a:extLst>
+          </p:cNvPr>
+          <p:cNvSpPr/>
+          <p:nvPr/>
+        </p:nvSpPr>
+        <p:spPr>
+          <a:xfrm>
+            <a:off x="6988638" y="2011393"/>
+            <a:ext cx="1901825" cy="452952"/>
+          </a:xfrm>
+          <a:prstGeom prst="roundRect">
+            <a:avLst>
+              <a:gd name="adj" fmla="val 13953"/>
+            </a:avLst>
+          </a:prstGeom>
+          <a:noFill/>
+        </p:spPr>
+        <p:style>
+          <a:lnRef idx="2">
+            <a:schemeClr val="dk1"/>
+          </a:lnRef>
+          <a:fillRef idx="1">
+            <a:schemeClr val="lt1"/>
+          </a:fillRef>
+          <a:effectRef idx="0">
+            <a:schemeClr val="dk1"/>
+          </a:effectRef>
+          <a:fontRef idx="minor">
+            <a:schemeClr val="dk1"/>
+          </a:fontRef>
+        </p:style>
+        <p:txBody>
+          <a:bodyPr rtlCol="0" anchor="ctr"/>
+          <a:lstStyle/>
+          <a:p>
+            <a:pPr algn="ctr"/>
+            <a:r>
+              <a:rPr lang="en-US" altLang="ko-KR" sz="1600"/>
+              <a:t>glibc - syslog(3)</a:t>
+            </a:r>
+            <a:endParaRPr lang="ko-KR" altLang="en-US" sz="1600" dirty="0"/>
           </a:p>
         </p:txBody>
       </p:sp>
@@ -4088,13 +4405,6 @@
   <p:clrMapOvr>
     <a:masterClrMapping/>
   </p:clrMapOvr>
-  <p:timing>
-    <p:tnLst>
-      <p:par>
-        <p:cTn id="1" dur="indefinite" restart="never" nodeType="tmRoot"/>
-      </p:par>
-    </p:tnLst>
-  </p:timing>
 </p:sld>
 </file>
 
